--- a/print/python2_1_3.pptx
+++ b/print/python2_1_3.pptx
@@ -2080,7 +2080,7 @@
             </a:r>
             <a:r>
               <a:rPr b="0"/>
-              <a:t>HDW effectively use while loops to automate computational processes?/ KAHOOT</a:t>
+              <a:t>HDW effectively use while loops to automate computational processes?</a:t>
             </a:r>
           </a:p>
         </p:txBody>
@@ -2128,7 +2128,7 @@
           <a:p>
             <a:pPr/>
             <a:r>
-              <a:t>Dr. O’Brien, 2/4/22</a:t>
+              <a:t>Dr. O’Brien, 2/7/22</a:t>
             </a:r>
           </a:p>
         </p:txBody>
@@ -6182,7 +6182,7 @@
               </a:defRPr>
             </a:pPr>
             <a:r>
-              <a:t>Lesson 1.3</a:t>
+              <a:t>Lesson 2.1</a:t>
             </a:r>
           </a:p>
         </p:txBody>
@@ -6237,7 +6237,7 @@
               <a:defRPr sz="1600"/>
             </a:pPr>
             <a:r>
-              <a:t>4 February 2022</a:t>
+              <a:t>7 February 2022</a:t>
             </a:r>
           </a:p>
         </p:txBody>
@@ -7064,13 +7064,13 @@
           </a:bodyPr>
           <a:lstStyle/>
           <a:p>
-            <a:pPr marL="184985" indent="-184985" defTabSz="562355">
+            <a:pPr marL="226915" indent="-226915" defTabSz="689823">
               <a:lnSpc>
                 <a:spcPct val="115000"/>
               </a:lnSpc>
               <a:buSzPct val="100000"/>
               <a:buAutoNum type="alphaUcPeriod" startAt="1"/>
-              <a:defRPr b="1" sz="1050">
+              <a:defRPr b="1" sz="1288">
                 <a:solidFill>
                   <a:srgbClr val="000000"/>
                 </a:solidFill>
@@ -7081,24 +7081,17 @@
               </a:defRPr>
             </a:pPr>
             <a:r>
-              <a:t>Find your </a:t>
-            </a:r>
-            <a:r>
-              <a:rPr i="1" u="sng"/>
-              <a:t>assigned</a:t>
-            </a:r>
-            <a:r>
-              <a:t> seat (ask Dr. O’Brien)</a:t>
-            </a:r>
-          </a:p>
-          <a:p>
-            <a:pPr marL="184985" indent="-184985" defTabSz="562355">
+              <a:t>Find your seat  </a:t>
+            </a:r>
+          </a:p>
+          <a:p>
+            <a:pPr marL="226915" indent="-226915" defTabSz="689823">
               <a:lnSpc>
                 <a:spcPct val="115000"/>
               </a:lnSpc>
               <a:buSzPct val="100000"/>
               <a:buAutoNum type="alphaUcPeriod" startAt="1"/>
-              <a:defRPr b="1" sz="1050">
+              <a:defRPr b="1" sz="1288">
                 <a:solidFill>
                   <a:srgbClr val="000000"/>
                 </a:solidFill>
@@ -7109,38 +7102,17 @@
               </a:defRPr>
             </a:pPr>
             <a:r>
-              <a:t>Read through the Marking Period requirements below.</a:t>
-            </a:r>
-          </a:p>
-          <a:p>
-            <a:pPr marL="184985" indent="-184985" defTabSz="562355">
+              <a:t>Read through the Weekly goals to the right.</a:t>
+            </a:r>
+          </a:p>
+          <a:p>
+            <a:pPr marL="226915" indent="-226915" defTabSz="689823">
               <a:lnSpc>
                 <a:spcPct val="115000"/>
               </a:lnSpc>
               <a:buSzPct val="100000"/>
               <a:buAutoNum type="alphaUcPeriod" startAt="1"/>
-              <a:defRPr b="1" sz="1050">
-                <a:solidFill>
-                  <a:srgbClr val="000000"/>
-                </a:solidFill>
-                <a:latin typeface="Lato"/>
-                <a:ea typeface="Lato"/>
-                <a:cs typeface="Lato"/>
-                <a:sym typeface="Lato"/>
-              </a:defRPr>
-            </a:pPr>
-            <a:r>
-              <a:t>Make sure your Python glossary is updated.</a:t>
-            </a:r>
-          </a:p>
-          <a:p>
-            <a:pPr marL="184985" indent="-184985" defTabSz="562355">
-              <a:lnSpc>
-                <a:spcPct val="115000"/>
-              </a:lnSpc>
-              <a:buSzPct val="100000"/>
-              <a:buAutoNum type="alphaUcPeriod" startAt="1"/>
-              <a:defRPr b="1" sz="1050">
+              <a:defRPr b="1" sz="1288">
                 <a:solidFill>
                   <a:srgbClr val="000000"/>
                 </a:solidFill>
@@ -7296,7 +7268,7 @@
             </a:r>
             <a:r>
               <a:rPr b="1"/>
-              <a:t>unit 5</a:t>
+              <a:t>unit 6</a:t>
             </a:r>
             <a:endParaRPr b="1"/>
           </a:p>
@@ -7311,7 +7283,7 @@
               </a:defRPr>
             </a:pPr>
             <a:r>
-              <a:t>Work on unit 6.</a:t>
+              <a:t>Work on unit 7</a:t>
             </a:r>
           </a:p>
         </p:txBody>
@@ -7473,54 +7445,6 @@
                                           <p:spTgt spid="217">
                                             <p:txEl>
                                               <p:pRg st="2" end="2"/>
-                                            </p:txEl>
-                                          </p:spTgt>
-                                        </p:tgtEl>
-                                        <p:attrNameLst>
-                                          <p:attrName>style.visibility</p:attrName>
-                                        </p:attrNameLst>
-                                      </p:cBhvr>
-                                      <p:to>
-                                        <p:strVal val="visible"/>
-                                      </p:to>
-                                    </p:set>
-                                  </p:childTnLst>
-                                </p:cTn>
-                              </p:par>
-                            </p:childTnLst>
-                          </p:cTn>
-                        </p:par>
-                      </p:childTnLst>
-                    </p:cTn>
-                  </p:par>
-                  <p:par>
-                    <p:cTn id="16" fill="hold">
-                      <p:stCondLst>
-                        <p:cond delay="indefinite"/>
-                      </p:stCondLst>
-                      <p:childTnLst>
-                        <p:par>
-                          <p:cTn id="17" fill="hold">
-                            <p:stCondLst>
-                              <p:cond delay="0"/>
-                            </p:stCondLst>
-                            <p:childTnLst>
-                              <p:par>
-                                <p:cTn id="18" presetClass="entr" nodeType="clickEffect" presetSubtype="0" presetID="1" grpId="1" fill="hold">
-                                  <p:stCondLst>
-                                    <p:cond delay="0"/>
-                                  </p:stCondLst>
-                                  <p:iterate type="el" backwards="0">
-                                    <p:tmAbs val="0"/>
-                                  </p:iterate>
-                                  <p:childTnLst>
-                                    <p:set>
-                                      <p:cBhvr>
-                                        <p:cTn id="19" fill="hold"/>
-                                        <p:tgtEl>
-                                          <p:spTgt spid="217">
-                                            <p:txEl>
-                                              <p:pRg st="3" end="3"/>
                                             </p:txEl>
                                           </p:spTgt>
                                         </p:tgtEl>

--- a/print/python2_1_3.pptx
+++ b/print/python2_1_3.pptx
@@ -487,88 +487,6 @@
       </p:grpSpPr>
       <p:sp>
         <p:nvSpPr>
-          <p:cNvPr id="210" name="Shape 210"/>
-          <p:cNvSpPr/>
-          <p:nvPr>
-            <p:ph type="sldImg"/>
-          </p:nvPr>
-        </p:nvSpPr>
-        <p:spPr>
-          <a:prstGeom prst="rect">
-            <a:avLst/>
-          </a:prstGeom>
-        </p:spPr>
-        <p:txBody>
-          <a:bodyPr/>
-          <a:lstStyle/>
-          <a:p>
-            <a:pPr/>
-          </a:p>
-        </p:txBody>
-      </p:sp>
-      <p:sp>
-        <p:nvSpPr>
-          <p:cNvPr id="211" name="Shape 211"/>
-          <p:cNvSpPr/>
-          <p:nvPr>
-            <p:ph type="body" sz="quarter" idx="1"/>
-          </p:nvPr>
-        </p:nvSpPr>
-        <p:spPr>
-          <a:prstGeom prst="rect">
-            <a:avLst/>
-          </a:prstGeom>
-        </p:spPr>
-        <p:txBody>
-          <a:bodyPr/>
-          <a:lstStyle/>
-          <a:p>
-            <a:pPr/>
-            <a:r>
-              <a:t>B. the code will print 1 and continue printing integers in sequence for ever. + Why is this an infinite loop? Because the continue x &gt; 0 will always be true.</a:t>
-            </a:r>
-          </a:p>
-          <a:p>
-            <a:pPr/>
-          </a:p>
-          <a:p>
-            <a:pPr/>
-            <a:r>
-              <a:t>C. Change the continue to somthing like x &lt; 6.  This will be false and stop printing when x == 6.</a:t>
-            </a:r>
-          </a:p>
-          <a:p>
-            <a:pPr/>
-          </a:p>
-        </p:txBody>
-      </p:sp>
-    </p:spTree>
-  </p:cSld>
-  <p:clrMapOvr>
-    <a:masterClrMapping/>
-  </p:clrMapOvr>
-</p:notes>
-</file>
-
-<file path=ppt/notesSlides/notesSlide2.xml><?xml version="1.0" encoding="utf-8"?>
-<p:notes xmlns:a="http://schemas.openxmlformats.org/drawingml/2006/main" xmlns:r="http://schemas.openxmlformats.org/officeDocument/2006/relationships" xmlns:p="http://schemas.openxmlformats.org/presentationml/2006/main" xmlns:m="http://schemas.openxmlformats.org/officeDocument/2006/math" xmlns:a14="http://schemas.microsoft.com/office/drawing/2010/main" showMasterSp="1" showMasterPhAnim="1">
-  <p:cSld>
-    <p:spTree>
-      <p:nvGrpSpPr>
-        <p:cNvPr id="1" name=""/>
-        <p:cNvGrpSpPr/>
-        <p:nvPr/>
-      </p:nvGrpSpPr>
-      <p:grpSpPr>
-        <a:xfrm>
-          <a:off x="0" y="0"/>
-          <a:ext cx="0" cy="0"/>
-          <a:chOff x="0" y="0"/>
-          <a:chExt cx="0" cy="0"/>
-        </a:xfrm>
-      </p:grpSpPr>
-      <p:sp>
-        <p:nvSpPr>
           <p:cNvPr id="221" name="Shape 221"/>
           <p:cNvSpPr/>
           <p:nvPr>
@@ -605,105 +523,55 @@
           <a:bodyPr/>
           <a:lstStyle/>
           <a:p>
-            <a:pPr marL="755650" indent="-596900" defTabSz="457200">
-              <a:lnSpc>
-                <a:spcPct val="117999"/>
-              </a:lnSpc>
+            <a:pPr marL="538595" indent="-379845">
               <a:buClr>
                 <a:srgbClr val="000000"/>
               </a:buClr>
-              <a:buSzPts val="2200"/>
+              <a:buSzPts val="1400"/>
               <a:buFont typeface="Arial"/>
               <a:buChar char="●"/>
-              <a:defRPr sz="2200">
-                <a:latin typeface="Helvetica Neue"/>
-                <a:ea typeface="Helvetica Neue"/>
-                <a:cs typeface="Helvetica Neue"/>
-                <a:sym typeface="Helvetica Neue"/>
-              </a:defRPr>
             </a:pPr>
             <a:r>
-              <a:t>Make sure students are working quietly. See problem guides for specific Python activities.</a:t>
-            </a:r>
-          </a:p>
-          <a:p>
-            <a:pPr defTabSz="457200">
-              <a:lnSpc>
-                <a:spcPct val="117999"/>
-              </a:lnSpc>
-              <a:defRPr sz="2200">
-                <a:latin typeface="Helvetica Neue"/>
-                <a:ea typeface="Helvetica Neue"/>
-                <a:cs typeface="Helvetica Neue"/>
-                <a:sym typeface="Helvetica Neue"/>
-              </a:defRPr>
+              <a:t>What do you remember about for loops from our Tracy module? </a:t>
+            </a:r>
+          </a:p>
+          <a:p>
+            <a:pPr marL="538595" indent="-379845">
+              <a:buClr>
+                <a:srgbClr val="000000"/>
+              </a:buClr>
+              <a:buSzPts val="1400"/>
+              <a:buFont typeface="Arial"/>
+              <a:buChar char="●"/>
             </a:pPr>
             <a:r>
-              <a:t>Frequently asked questions:</a:t>
-            </a:r>
-          </a:p>
-          <a:p>
-            <a:pPr defTabSz="457200">
-              <a:lnSpc>
-                <a:spcPct val="117999"/>
-              </a:lnSpc>
-              <a:defRPr sz="2200">
-                <a:latin typeface="Helvetica Neue"/>
-                <a:ea typeface="Helvetica Neue"/>
-                <a:cs typeface="Helvetica Neue"/>
-                <a:sym typeface="Helvetica Neue"/>
-              </a:defRPr>
+              <a:t>For loops are used to repeat commands a fixed number of times, i is a variable we can use in our commands, we can change the starting, ending, and interval values in for loops, etc. (Answers may vary)</a:t>
+            </a:r>
+          </a:p>
+          <a:p>
+            <a:pPr marL="538595" indent="-379845">
+              <a:buClr>
+                <a:srgbClr val="000000"/>
+              </a:buClr>
+              <a:buSzPts val="1400"/>
+              <a:buFont typeface="Arial"/>
+              <a:buChar char="●"/>
             </a:pPr>
             <a:r>
-              <a:t>+I don’t know what to do!?! Make sure to carefully read the instructions. Take notes when watching the video.</a:t>
-            </a:r>
-          </a:p>
-          <a:p>
-            <a:pPr defTabSz="457200">
-              <a:lnSpc>
-                <a:spcPct val="117999"/>
-              </a:lnSpc>
-              <a:defRPr sz="2200">
-                <a:latin typeface="Helvetica Neue"/>
-                <a:ea typeface="Helvetica Neue"/>
-                <a:cs typeface="Helvetica Neue"/>
-                <a:sym typeface="Helvetica Neue"/>
-              </a:defRPr>
+              <a:t>What is an activity that involves you repeating the same thing multiple times? For example, walking involves repeatedly putting your left foot forward, then right foot forward. </a:t>
+            </a:r>
+          </a:p>
+          <a:p>
+            <a:pPr marL="538595" indent="-379845">
+              <a:buClr>
+                <a:srgbClr val="000000"/>
+              </a:buClr>
+              <a:buSzPts val="1400"/>
+              <a:buFont typeface="Arial"/>
+              <a:buChar char="●"/>
             </a:pPr>
             <a:r>
-              <a:t>+What are you trying to make tracy do?</a:t>
-            </a:r>
-          </a:p>
-          <a:p>
-            <a:pPr defTabSz="457200">
-              <a:lnSpc>
-                <a:spcPct val="117999"/>
-              </a:lnSpc>
-              <a:defRPr sz="2200">
-                <a:latin typeface="Helvetica Neue"/>
-                <a:ea typeface="Helvetica Neue"/>
-                <a:cs typeface="Helvetica Neue"/>
-                <a:sym typeface="Helvetica Neue"/>
-              </a:defRPr>
-            </a:pPr>
-            <a:r>
-              <a:t>+how can I figure out why my code doesn’t work? Try getting out a piece of paper, and following your commands yourself. What do you draw. Where do things go wrong?</a:t>
-            </a:r>
-          </a:p>
-          <a:p>
-            <a:pPr defTabSz="457200">
-              <a:lnSpc>
-                <a:spcPct val="117999"/>
-              </a:lnSpc>
-              <a:defRPr sz="2200">
-                <a:latin typeface="Helvetica Neue"/>
-                <a:ea typeface="Helvetica Neue"/>
-                <a:cs typeface="Helvetica Neue"/>
-                <a:sym typeface="Helvetica Neue"/>
-              </a:defRPr>
-            </a:pPr>
-            <a:r>
-              <a:t>+What do I do if I forget a command? See the docs section of CodeHS.</a:t>
+              <a:t>Eating- stab food with fork, bring to mouth, chew food, bring fork down to plate, repeat, etc. (Answers may vary)</a:t>
             </a:r>
           </a:p>
         </p:txBody>
@@ -2080,7 +1948,7 @@
             </a:r>
             <a:r>
               <a:rPr b="0"/>
-              <a:t>HDW effectively use while loops to automate computational processes?</a:t>
+              <a:t>HDW effectively use for loops to automate computational processes?</a:t>
             </a:r>
           </a:p>
         </p:txBody>
@@ -2128,7 +1996,7 @@
           <a:p>
             <a:pPr/>
             <a:r>
-              <a:t>Dr. O’Brien, 2/7/22</a:t>
+              <a:t>Dr. O’Brien, 2/8/22</a:t>
             </a:r>
           </a:p>
         </p:txBody>
@@ -6182,7 +6050,7 @@
               </a:defRPr>
             </a:pPr>
             <a:r>
-              <a:t>Lesson 2.1</a:t>
+              <a:t>Lesson 2.2</a:t>
             </a:r>
           </a:p>
         </p:txBody>
@@ -6237,7 +6105,7 @@
               <a:defRPr sz="1600"/>
             </a:pPr>
             <a:r>
-              <a:t>7 February 2022</a:t>
+              <a:t>8 February 2022</a:t>
             </a:r>
           </a:p>
         </p:txBody>
@@ -6268,9 +6136,327 @@
           <a:chExt cx="0" cy="0"/>
         </a:xfrm>
       </p:grpSpPr>
+      <p:sp>
+        <p:nvSpPr>
+          <p:cNvPr id="203" name="Double-click to edit"/>
+          <p:cNvSpPr txBox="1"/>
+          <p:nvPr>
+            <p:ph type="title"/>
+          </p:nvPr>
+        </p:nvSpPr>
+        <p:spPr>
+          <a:prstGeom prst="rect">
+            <a:avLst/>
+          </a:prstGeom>
+        </p:spPr>
+        <p:txBody>
+          <a:bodyPr/>
+          <a:lstStyle/>
+          <a:p>
+            <a:pPr defTabSz="886968">
+              <a:defRPr sz="2910"/>
+            </a:pPr>
+          </a:p>
+        </p:txBody>
+      </p:sp>
+      <p:sp>
+        <p:nvSpPr>
+          <p:cNvPr id="204" name="be sure to:"/>
+          <p:cNvSpPr txBox="1"/>
+          <p:nvPr/>
+        </p:nvSpPr>
+        <p:spPr>
+          <a:xfrm>
+            <a:off x="630543" y="1273037"/>
+            <a:ext cx="1212876" cy="304801"/>
+          </a:xfrm>
+          <a:prstGeom prst="rect">
+            <a:avLst/>
+          </a:prstGeom>
+          <a:ln w="12700">
+            <a:miter lim="400000"/>
+          </a:ln>
+          <a:extLst>
+            <a:ext uri="{C572A759-6A51-4108-AA02-DFA0A04FC94B}">
+              <ma14:wrappingTextBoxFlag xmlns:ma14="http://schemas.microsoft.com/office/mac/drawingml/2011/main" val="1"/>
+            </a:ext>
+          </a:extLst>
+        </p:spPr>
+        <p:txBody>
+          <a:bodyPr wrap="none" lIns="0" tIns="0" rIns="0" bIns="0">
+            <a:spAutoFit/>
+          </a:bodyPr>
+          <a:lstStyle>
+            <a:lvl1pPr>
+              <a:defRPr sz="2000">
+                <a:solidFill>
+                  <a:schemeClr val="accent5"/>
+                </a:solidFill>
+                <a:latin typeface="+mn-lt"/>
+                <a:ea typeface="+mn-ea"/>
+                <a:cs typeface="+mn-cs"/>
+                <a:sym typeface="Helvetica"/>
+              </a:defRPr>
+            </a:lvl1pPr>
+          </a:lstStyle>
+          <a:p>
+            <a:pPr/>
+            <a:r>
+              <a:t>be sure to:</a:t>
+            </a:r>
+          </a:p>
+        </p:txBody>
+      </p:sp>
+      <p:pic>
+        <p:nvPicPr>
+          <p:cNvPr id="205" name="Image" descr="Image"/>
+          <p:cNvPicPr>
+            <a:picLocks noChangeAspect="1"/>
+          </p:cNvPicPr>
+          <p:nvPr/>
+        </p:nvPicPr>
+        <p:blipFill>
+          <a:blip r:embed="rId2">
+            <a:extLst/>
+          </a:blip>
+          <a:srcRect l="0" t="0" r="11719" b="0"/>
+          <a:stretch>
+            <a:fillRect/>
+          </a:stretch>
+        </p:blipFill>
+        <p:spPr>
+          <a:xfrm>
+            <a:off x="4568709" y="2758456"/>
+            <a:ext cx="3426223" cy="1310905"/>
+          </a:xfrm>
+          <a:prstGeom prst="rect">
+            <a:avLst/>
+          </a:prstGeom>
+          <a:ln w="12700">
+            <a:miter lim="400000"/>
+          </a:ln>
+        </p:spPr>
+      </p:pic>
+      <p:sp>
+        <p:nvSpPr>
+          <p:cNvPr id="206" name="Weekly Goal:…"/>
+          <p:cNvSpPr txBox="1"/>
+          <p:nvPr/>
+        </p:nvSpPr>
+        <p:spPr>
+          <a:xfrm>
+            <a:off x="5203624" y="1562650"/>
+            <a:ext cx="3481017" cy="616484"/>
+          </a:xfrm>
+          <a:prstGeom prst="rect">
+            <a:avLst/>
+          </a:prstGeom>
+          <a:ln w="12700">
+            <a:solidFill>
+              <a:srgbClr val="000000"/>
+            </a:solidFill>
+            <a:miter lim="400000"/>
+          </a:ln>
+          <a:extLst>
+            <a:ext uri="{C572A759-6A51-4108-AA02-DFA0A04FC94B}">
+              <ma14:wrappingTextBoxFlag xmlns:ma14="http://schemas.microsoft.com/office/mac/drawingml/2011/main" val="1"/>
+            </a:ext>
+          </a:extLst>
+        </p:spPr>
+        <p:txBody>
+          <a:bodyPr lIns="0" tIns="0" rIns="0" bIns="0">
+            <a:spAutoFit/>
+          </a:bodyPr>
+          <a:lstStyle/>
+          <a:p>
+            <a:pPr>
+              <a:defRPr>
+                <a:solidFill>
+                  <a:schemeClr val="accent4"/>
+                </a:solidFill>
+              </a:defRPr>
+            </a:pPr>
+            <a:r>
+              <a:rPr b="1"/>
+              <a:t>Weekly Goal:</a:t>
+            </a:r>
+            <a:r>
+              <a:t> </a:t>
+            </a:r>
+          </a:p>
+          <a:p>
+            <a:pPr marL="233947" indent="-233947">
+              <a:buSzPct val="100000"/>
+              <a:buAutoNum type="alphaUcPeriod" startAt="1"/>
+              <a:defRPr>
+                <a:solidFill>
+                  <a:schemeClr val="accent4"/>
+                </a:solidFill>
+              </a:defRPr>
+            </a:pPr>
+            <a:r>
+              <a:t>Complete up through </a:t>
+            </a:r>
+            <a:r>
+              <a:rPr b="1"/>
+              <a:t>unit 6</a:t>
+            </a:r>
+            <a:endParaRPr b="1"/>
+          </a:p>
+          <a:p>
+            <a:pPr marL="233947" indent="-233947">
+              <a:buSzPct val="100000"/>
+              <a:buAutoNum type="alphaUcPeriod" startAt="1"/>
+              <a:defRPr>
+                <a:solidFill>
+                  <a:schemeClr val="accent4"/>
+                </a:solidFill>
+              </a:defRPr>
+            </a:pPr>
+            <a:r>
+              <a:t>Work on unit 7</a:t>
+            </a:r>
+          </a:p>
+        </p:txBody>
+      </p:sp>
+      <p:sp>
+        <p:nvSpPr>
+          <p:cNvPr id="207" name="Google Shape;82;p14"/>
+          <p:cNvSpPr txBox="1"/>
+          <p:nvPr/>
+        </p:nvSpPr>
+        <p:spPr>
+          <a:xfrm>
+            <a:off x="532198" y="1609175"/>
+            <a:ext cx="3897055" cy="2513916"/>
+          </a:xfrm>
+          <a:prstGeom prst="rect">
+            <a:avLst/>
+          </a:prstGeom>
+          <a:ln w="12700">
+            <a:miter lim="400000"/>
+          </a:ln>
+          <a:extLst>
+            <a:ext uri="{C572A759-6A51-4108-AA02-DFA0A04FC94B}">
+              <ma14:wrappingTextBoxFlag xmlns:ma14="http://schemas.microsoft.com/office/mac/drawingml/2011/main" val="1"/>
+            </a:ext>
+          </a:extLst>
+        </p:spPr>
+        <p:txBody>
+          <a:bodyPr lIns="91423" tIns="91423" rIns="91423" bIns="91423">
+            <a:normAutofit fontScale="100000" lnSpcReduction="0"/>
+          </a:bodyPr>
+          <a:lstStyle/>
+          <a:p>
+            <a:pPr marL="118390" indent="-118390" defTabSz="359907">
+              <a:lnSpc>
+                <a:spcPct val="115000"/>
+              </a:lnSpc>
+              <a:buSzPct val="100000"/>
+              <a:buAutoNum type="alphaUcPeriod" startAt="1"/>
+              <a:defRPr b="1" sz="1344">
+                <a:solidFill>
+                  <a:srgbClr val="000000"/>
+                </a:solidFill>
+                <a:latin typeface="Lato"/>
+                <a:ea typeface="Lato"/>
+                <a:cs typeface="Lato"/>
+                <a:sym typeface="Lato"/>
+              </a:defRPr>
+            </a:pPr>
+            <a:r>
+              <a:t>Take a seat near the screen.</a:t>
+            </a:r>
+          </a:p>
+          <a:p>
+            <a:pPr marL="118390" indent="-118390" defTabSz="359907">
+              <a:lnSpc>
+                <a:spcPct val="115000"/>
+              </a:lnSpc>
+              <a:buSzPct val="100000"/>
+              <a:buAutoNum type="alphaUcPeriod" startAt="1"/>
+              <a:defRPr b="1" sz="1344">
+                <a:solidFill>
+                  <a:srgbClr val="000000"/>
+                </a:solidFill>
+                <a:latin typeface="Lato"/>
+                <a:ea typeface="Lato"/>
+                <a:cs typeface="Lato"/>
+                <a:sym typeface="Lato"/>
+              </a:defRPr>
+            </a:pPr>
+            <a:r>
+              <a:t>Get out your notebook. Copy the goal and date.</a:t>
+            </a:r>
+          </a:p>
+          <a:p>
+            <a:pPr marL="118390" indent="-118390" defTabSz="359907">
+              <a:lnSpc>
+                <a:spcPct val="115000"/>
+              </a:lnSpc>
+              <a:buSzPct val="100000"/>
+              <a:buAutoNum type="alphaUcPeriod" startAt="1"/>
+              <a:defRPr b="1" sz="1344">
+                <a:solidFill>
+                  <a:srgbClr val="000000"/>
+                </a:solidFill>
+                <a:latin typeface="Lato"/>
+                <a:ea typeface="Lato"/>
+                <a:cs typeface="Lato"/>
+                <a:sym typeface="Lato"/>
+              </a:defRPr>
+            </a:pPr>
+            <a:r>
+              <a:t>Answer the questions below in complete sentences:</a:t>
+            </a:r>
+          </a:p>
+          <a:p>
+            <a:pPr lvl="1" marL="333675" indent="-89835" defTabSz="359907">
+              <a:lnSpc>
+                <a:spcPct val="115000"/>
+              </a:lnSpc>
+              <a:buSzPct val="100000"/>
+              <a:buAutoNum type="arabicPeriod" startAt="1"/>
+              <a:defRPr b="1" sz="1344">
+                <a:solidFill>
+                  <a:srgbClr val="000000"/>
+                </a:solidFill>
+                <a:latin typeface="Lato"/>
+                <a:ea typeface="Lato"/>
+                <a:cs typeface="Lato"/>
+                <a:sym typeface="Lato"/>
+              </a:defRPr>
+            </a:pPr>
+            <a:r>
+              <a:t>Write down everything you can about for loops. Write at least three things.</a:t>
+            </a:r>
+          </a:p>
+          <a:p>
+            <a:pPr lvl="1" marL="333675" indent="-89835" defTabSz="359907">
+              <a:lnSpc>
+                <a:spcPct val="115000"/>
+              </a:lnSpc>
+              <a:buSzPct val="100000"/>
+              <a:buAutoNum type="arabicPeriod" startAt="1"/>
+              <a:defRPr b="1" sz="1344">
+                <a:solidFill>
+                  <a:srgbClr val="000000"/>
+                </a:solidFill>
+                <a:latin typeface="Lato"/>
+                <a:ea typeface="Lato"/>
+                <a:cs typeface="Lato"/>
+                <a:sym typeface="Lato"/>
+              </a:defRPr>
+            </a:pPr>
+            <a:r>
+              <a:t>When does it make more sense to use a for loop than a while loop?</a:t>
+            </a:r>
+          </a:p>
+        </p:txBody>
+      </p:sp>
       <p:grpSp>
         <p:nvGrpSpPr>
-          <p:cNvPr id="205" name="Google Shape;118;p19"/>
+          <p:cNvPr id="210" name="Google Shape;118;p19"/>
           <p:cNvGrpSpPr/>
           <p:nvPr/>
         </p:nvGrpSpPr>
@@ -6284,7 +6470,7 @@
         </p:grpSpPr>
         <p:sp>
           <p:nvSpPr>
-            <p:cNvPr id="203" name="Rectangle"/>
+            <p:cNvPr id="208" name="Rectangle"/>
             <p:cNvSpPr/>
             <p:nvPr/>
           </p:nvSpPr>
@@ -6332,7 +6518,7 @@
         </p:sp>
         <p:sp>
           <p:nvSpPr>
-            <p:cNvPr id="204" name="Do now"/>
+            <p:cNvPr id="209" name="Do now"/>
             <p:cNvSpPr txBox="1"/>
             <p:nvPr/>
           </p:nvSpPr>
@@ -6374,286 +6560,6 @@
           </p:txBody>
         </p:sp>
       </p:grpSp>
-      <p:sp>
-        <p:nvSpPr>
-          <p:cNvPr id="206" name="Google Shape;82;p14"/>
-          <p:cNvSpPr txBox="1"/>
-          <p:nvPr/>
-        </p:nvSpPr>
-        <p:spPr>
-          <a:xfrm>
-            <a:off x="1067734" y="1729899"/>
-            <a:ext cx="3894687" cy="2513916"/>
-          </a:xfrm>
-          <a:prstGeom prst="rect">
-            <a:avLst/>
-          </a:prstGeom>
-          <a:ln w="12700">
-            <a:miter lim="400000"/>
-          </a:ln>
-          <a:extLst>
-            <a:ext uri="{C572A759-6A51-4108-AA02-DFA0A04FC94B}">
-              <ma14:wrappingTextBoxFlag xmlns:ma14="http://schemas.microsoft.com/office/mac/drawingml/2011/main" val="1"/>
-            </a:ext>
-          </a:extLst>
-        </p:spPr>
-        <p:txBody>
-          <a:bodyPr lIns="91423" tIns="91423" rIns="91423" bIns="91423">
-            <a:normAutofit fontScale="100000" lnSpcReduction="0"/>
-          </a:bodyPr>
-          <a:lstStyle/>
-          <a:p>
-            <a:pPr marL="246647" indent="-246647" defTabSz="749808">
-              <a:lnSpc>
-                <a:spcPct val="115000"/>
-              </a:lnSpc>
-              <a:buSzPct val="100000"/>
-              <a:buAutoNum type="alphaUcPeriod" startAt="1"/>
-              <a:defRPr b="1">
-                <a:solidFill>
-                  <a:srgbClr val="000000"/>
-                </a:solidFill>
-                <a:latin typeface="Lato"/>
-                <a:ea typeface="Lato"/>
-                <a:cs typeface="Lato"/>
-                <a:sym typeface="Lato"/>
-              </a:defRPr>
-            </a:pPr>
-            <a:r>
-              <a:t>Take a seat near the screen.</a:t>
-            </a:r>
-          </a:p>
-          <a:p>
-            <a:pPr marL="246647" indent="-246647" defTabSz="749808">
-              <a:lnSpc>
-                <a:spcPct val="115000"/>
-              </a:lnSpc>
-              <a:buSzPct val="100000"/>
-              <a:buAutoNum type="alphaUcPeriod" startAt="1"/>
-              <a:defRPr b="1">
-                <a:solidFill>
-                  <a:srgbClr val="000000"/>
-                </a:solidFill>
-                <a:latin typeface="Lato"/>
-                <a:ea typeface="Lato"/>
-                <a:cs typeface="Lato"/>
-                <a:sym typeface="Lato"/>
-              </a:defRPr>
-            </a:pPr>
-            <a:r>
-              <a:t> Describe what will happen when the code to the right is run.</a:t>
-            </a:r>
-          </a:p>
-          <a:p>
-            <a:pPr marL="246647" indent="-246647" defTabSz="749808">
-              <a:lnSpc>
-                <a:spcPct val="115000"/>
-              </a:lnSpc>
-              <a:buSzPct val="100000"/>
-              <a:buAutoNum type="alphaUcPeriod" startAt="1"/>
-              <a:defRPr b="1">
-                <a:solidFill>
-                  <a:srgbClr val="000000"/>
-                </a:solidFill>
-                <a:latin typeface="Lato"/>
-                <a:ea typeface="Lato"/>
-                <a:cs typeface="Lato"/>
-                <a:sym typeface="Lato"/>
-              </a:defRPr>
-            </a:pPr>
-            <a:r>
-              <a:t>How could the code be changed so that it prints out:</a:t>
-            </a:r>
-          </a:p>
-        </p:txBody>
-      </p:sp>
-      <p:sp>
-        <p:nvSpPr>
-          <p:cNvPr id="207" name="be sure to:"/>
-          <p:cNvSpPr txBox="1"/>
-          <p:nvPr/>
-        </p:nvSpPr>
-        <p:spPr>
-          <a:xfrm>
-            <a:off x="1184619" y="1273037"/>
-            <a:ext cx="1212876" cy="304801"/>
-          </a:xfrm>
-          <a:prstGeom prst="rect">
-            <a:avLst/>
-          </a:prstGeom>
-          <a:ln w="12700">
-            <a:miter lim="400000"/>
-          </a:ln>
-          <a:extLst>
-            <a:ext uri="{C572A759-6A51-4108-AA02-DFA0A04FC94B}">
-              <ma14:wrappingTextBoxFlag xmlns:ma14="http://schemas.microsoft.com/office/mac/drawingml/2011/main" val="1"/>
-            </a:ext>
-          </a:extLst>
-        </p:spPr>
-        <p:txBody>
-          <a:bodyPr wrap="none" lIns="0" tIns="0" rIns="0" bIns="0">
-            <a:spAutoFit/>
-          </a:bodyPr>
-          <a:lstStyle>
-            <a:lvl1pPr>
-              <a:defRPr sz="2000">
-                <a:solidFill>
-                  <a:schemeClr val="accent5"/>
-                </a:solidFill>
-                <a:latin typeface="+mn-lt"/>
-                <a:ea typeface="+mn-ea"/>
-                <a:cs typeface="+mn-cs"/>
-                <a:sym typeface="Helvetica"/>
-              </a:defRPr>
-            </a:lvl1pPr>
-          </a:lstStyle>
-          <a:p>
-            <a:pPr/>
-            <a:r>
-              <a:t>be sure to:</a:t>
-            </a:r>
-          </a:p>
-        </p:txBody>
-      </p:sp>
-      <p:pic>
-        <p:nvPicPr>
-          <p:cNvPr id="208" name="Image" descr="Image"/>
-          <p:cNvPicPr>
-            <a:picLocks noChangeAspect="1"/>
-          </p:cNvPicPr>
-          <p:nvPr/>
-        </p:nvPicPr>
-        <p:blipFill>
-          <a:blip r:embed="rId3">
-            <a:extLst/>
-          </a:blip>
-          <a:stretch>
-            <a:fillRect/>
-          </a:stretch>
-        </p:blipFill>
-        <p:spPr>
-          <a:xfrm>
-            <a:off x="5470680" y="1460698"/>
-            <a:ext cx="3257088" cy="1791399"/>
-          </a:xfrm>
-          <a:prstGeom prst="rect">
-            <a:avLst/>
-          </a:prstGeom>
-          <a:ln w="12700">
-            <a:miter lim="400000"/>
-          </a:ln>
-        </p:spPr>
-      </p:pic>
-      <p:sp>
-        <p:nvSpPr>
-          <p:cNvPr id="209" name="1…"/>
-          <p:cNvSpPr txBox="1"/>
-          <p:nvPr/>
-        </p:nvSpPr>
-        <p:spPr>
-          <a:xfrm>
-            <a:off x="1727557" y="3142131"/>
-            <a:ext cx="127001" cy="1016001"/>
-          </a:xfrm>
-          <a:prstGeom prst="rect">
-            <a:avLst/>
-          </a:prstGeom>
-          <a:ln w="12700">
-            <a:miter lim="400000"/>
-          </a:ln>
-          <a:extLst>
-            <a:ext uri="{C572A759-6A51-4108-AA02-DFA0A04FC94B}">
-              <ma14:wrappingTextBoxFlag xmlns:ma14="http://schemas.microsoft.com/office/mac/drawingml/2011/main" val="1"/>
-            </a:ext>
-          </a:extLst>
-        </p:spPr>
-        <p:txBody>
-          <a:bodyPr wrap="none" lIns="0" tIns="0" rIns="0" bIns="0">
-            <a:spAutoFit/>
-          </a:bodyPr>
-          <a:lstStyle/>
-          <a:p>
-            <a:pPr>
-              <a:defRPr>
-                <a:solidFill>
-                  <a:srgbClr val="000000"/>
-                </a:solidFill>
-                <a:latin typeface="Courier New"/>
-                <a:ea typeface="Courier New"/>
-                <a:cs typeface="Courier New"/>
-                <a:sym typeface="Courier New"/>
-              </a:defRPr>
-            </a:pPr>
-            <a:r>
-              <a:t>1</a:t>
-            </a:r>
-          </a:p>
-          <a:p>
-            <a:pPr>
-              <a:defRPr>
-                <a:solidFill>
-                  <a:srgbClr val="000000"/>
-                </a:solidFill>
-                <a:latin typeface="Courier New"/>
-                <a:ea typeface="Courier New"/>
-                <a:cs typeface="Courier New"/>
-                <a:sym typeface="Courier New"/>
-              </a:defRPr>
-            </a:pPr>
-            <a:r>
-              <a:t>2</a:t>
-            </a:r>
-          </a:p>
-          <a:p>
-            <a:pPr>
-              <a:defRPr>
-                <a:solidFill>
-                  <a:srgbClr val="000000"/>
-                </a:solidFill>
-                <a:latin typeface="Courier New"/>
-                <a:ea typeface="Courier New"/>
-                <a:cs typeface="Courier New"/>
-                <a:sym typeface="Courier New"/>
-              </a:defRPr>
-            </a:pPr>
-            <a:r>
-              <a:t>3</a:t>
-            </a:r>
-          </a:p>
-          <a:p>
-            <a:pPr>
-              <a:defRPr>
-                <a:solidFill>
-                  <a:srgbClr val="000000"/>
-                </a:solidFill>
-                <a:latin typeface="Courier New"/>
-                <a:ea typeface="Courier New"/>
-                <a:cs typeface="Courier New"/>
-                <a:sym typeface="Courier New"/>
-              </a:defRPr>
-            </a:pPr>
-            <a:r>
-              <a:t>4</a:t>
-            </a:r>
-          </a:p>
-          <a:p>
-            <a:pPr>
-              <a:defRPr>
-                <a:solidFill>
-                  <a:srgbClr val="000000"/>
-                </a:solidFill>
-                <a:latin typeface="Courier New"/>
-                <a:ea typeface="Courier New"/>
-                <a:cs typeface="Courier New"/>
-                <a:sym typeface="Courier New"/>
-              </a:defRPr>
-            </a:pPr>
-            <a:r>
-              <a:t>5</a:t>
-            </a:r>
-          </a:p>
-        </p:txBody>
-      </p:sp>
     </p:spTree>
   </p:cSld>
   <p:clrMapOvr>
@@ -6693,7 +6599,7 @@
                                       <p:cBhvr>
                                         <p:cTn id="6" fill="hold"/>
                                         <p:tgtEl>
-                                          <p:spTgt spid="206">
+                                          <p:spTgt spid="207">
                                             <p:bg/>
                                           </p:spTgt>
                                         </p:tgtEl>
@@ -6721,7 +6627,7 @@
                                       <p:cBhvr>
                                         <p:cTn id="8" fill="hold"/>
                                         <p:tgtEl>
-                                          <p:spTgt spid="206">
+                                          <p:spTgt spid="207">
                                             <p:txEl>
                                               <p:pRg st="0" end="0"/>
                                             </p:txEl>
@@ -6760,7 +6666,7 @@
                                       <p:cBhvr>
                                         <p:cTn id="11" fill="hold"/>
                                         <p:tgtEl>
-                                          <p:spTgt spid="206">
+                                          <p:spTgt spid="207">
                                             <p:txEl>
                                               <p:pRg st="1" end="1"/>
                                             </p:txEl>
@@ -6780,14 +6686,23 @@
                             </p:childTnLst>
                           </p:cTn>
                         </p:par>
+                      </p:childTnLst>
+                    </p:cTn>
+                  </p:par>
+                  <p:par>
+                    <p:cTn id="12" fill="hold">
+                      <p:stCondLst>
+                        <p:cond delay="indefinite"/>
+                      </p:stCondLst>
+                      <p:childTnLst>
                         <p:par>
-                          <p:cTn id="12" fill="hold">
+                          <p:cTn id="13" fill="hold">
                             <p:stCondLst>
                               <p:cond delay="0"/>
                             </p:stCondLst>
                             <p:childTnLst>
                               <p:par>
-                                <p:cTn id="13" presetClass="entr" nodeType="afterEffect" presetSubtype="0" presetID="1" grpId="1" fill="hold">
+                                <p:cTn id="14" presetClass="entr" nodeType="clickEffect" presetSubtype="0" presetID="1" grpId="1" fill="hold">
                                   <p:stCondLst>
                                     <p:cond delay="0"/>
                                   </p:stCondLst>
@@ -6797,9 +6712,9 @@
                                   <p:childTnLst>
                                     <p:set>
                                       <p:cBhvr>
-                                        <p:cTn id="14" fill="hold"/>
+                                        <p:cTn id="15" fill="hold"/>
                                         <p:tgtEl>
-                                          <p:spTgt spid="206">
+                                          <p:spTgt spid="207">
                                             <p:txEl>
                                               <p:pRg st="2" end="2"/>
                                             </p:txEl>
@@ -6819,14 +6734,23 @@
                             </p:childTnLst>
                           </p:cTn>
                         </p:par>
+                      </p:childTnLst>
+                    </p:cTn>
+                  </p:par>
+                  <p:par>
+                    <p:cTn id="16" fill="hold">
+                      <p:stCondLst>
+                        <p:cond delay="indefinite"/>
+                      </p:stCondLst>
+                      <p:childTnLst>
                         <p:par>
-                          <p:cTn id="15" fill="hold">
+                          <p:cTn id="17" fill="hold">
                             <p:stCondLst>
                               <p:cond delay="0"/>
                             </p:stCondLst>
                             <p:childTnLst>
                               <p:par>
-                                <p:cTn id="16" presetClass="entr" nodeType="afterEffect" presetSubtype="0" presetID="1" grpId="1" fill="hold">
+                                <p:cTn id="18" presetClass="entr" nodeType="clickEffect" presetSubtype="0" presetID="1" grpId="1" fill="hold">
                                   <p:stCondLst>
                                     <p:cond delay="0"/>
                                   </p:stCondLst>
@@ -6836,11 +6760,59 @@
                                   <p:childTnLst>
                                     <p:set>
                                       <p:cBhvr>
-                                        <p:cTn id="17" fill="hold"/>
+                                        <p:cTn id="19" fill="hold"/>
                                         <p:tgtEl>
-                                          <p:spTgt spid="206">
+                                          <p:spTgt spid="207">
                                             <p:txEl>
                                               <p:pRg st="3" end="3"/>
+                                            </p:txEl>
+                                          </p:spTgt>
+                                        </p:tgtEl>
+                                        <p:attrNameLst>
+                                          <p:attrName>style.visibility</p:attrName>
+                                        </p:attrNameLst>
+                                      </p:cBhvr>
+                                      <p:to>
+                                        <p:strVal val="visible"/>
+                                      </p:to>
+                                    </p:set>
+                                  </p:childTnLst>
+                                </p:cTn>
+                              </p:par>
+                            </p:childTnLst>
+                          </p:cTn>
+                        </p:par>
+                      </p:childTnLst>
+                    </p:cTn>
+                  </p:par>
+                  <p:par>
+                    <p:cTn id="20" fill="hold">
+                      <p:stCondLst>
+                        <p:cond delay="indefinite"/>
+                      </p:stCondLst>
+                      <p:childTnLst>
+                        <p:par>
+                          <p:cTn id="21" fill="hold">
+                            <p:stCondLst>
+                              <p:cond delay="0"/>
+                            </p:stCondLst>
+                            <p:childTnLst>
+                              <p:par>
+                                <p:cTn id="22" presetClass="entr" nodeType="clickEffect" presetSubtype="0" presetID="1" grpId="1" fill="hold">
+                                  <p:stCondLst>
+                                    <p:cond delay="0"/>
+                                  </p:stCondLst>
+                                  <p:iterate type="el" backwards="0">
+                                    <p:tmAbs val="0"/>
+                                  </p:iterate>
+                                  <p:childTnLst>
+                                    <p:set>
+                                      <p:cBhvr>
+                                        <p:cTn id="23" fill="hold"/>
+                                        <p:tgtEl>
+                                          <p:spTgt spid="207">
+                                            <p:txEl>
+                                              <p:pRg st="4" end="4"/>
                                             </p:txEl>
                                           </p:spTgt>
                                         </p:tgtEl>
@@ -6883,7 +6855,7 @@
       </p:par>
     </p:tnLst>
     <p:bldLst>
-      <p:bldP build="p" bldLvl="5" animBg="1" rev="0" advAuto="0" spid="206" grpId="1"/>
+      <p:bldP build="p" bldLvl="5" animBg="1" rev="0" advAuto="0" spid="207" grpId="1"/>
     </p:bldLst>
   </p:timing>
 </p:sld>
@@ -6908,7 +6880,7 @@
       </p:grpSpPr>
       <p:sp>
         <p:nvSpPr>
-          <p:cNvPr id="213" name="Double-click to edit"/>
+          <p:cNvPr id="212" name="Double-click to edit"/>
           <p:cNvSpPr txBox="1"/>
           <p:nvPr>
             <p:ph type="title"/>
@@ -6931,7 +6903,7 @@
       </p:sp>
       <p:grpSp>
         <p:nvGrpSpPr>
-          <p:cNvPr id="216" name="Google Shape;118;p19"/>
+          <p:cNvPr id="215" name="Google Shape;118;p19"/>
           <p:cNvGrpSpPr/>
           <p:nvPr/>
         </p:nvGrpSpPr>
@@ -6945,7 +6917,7 @@
         </p:grpSpPr>
         <p:sp>
           <p:nvSpPr>
-            <p:cNvPr id="214" name="Rectangle"/>
+            <p:cNvPr id="213" name="Rectangle"/>
             <p:cNvSpPr/>
             <p:nvPr/>
           </p:nvSpPr>
@@ -6993,7 +6965,7 @@
         </p:sp>
         <p:sp>
           <p:nvSpPr>
-            <p:cNvPr id="215" name="Work day"/>
+            <p:cNvPr id="214" name="Work day"/>
             <p:cNvSpPr txBox="1"/>
             <p:nvPr/>
           </p:nvSpPr>
@@ -7037,7 +7009,167 @@
       </p:grpSp>
       <p:sp>
         <p:nvSpPr>
-          <p:cNvPr id="217" name="Google Shape;82;p14"/>
+          <p:cNvPr id="216" name="be sure to:"/>
+          <p:cNvSpPr txBox="1"/>
+          <p:nvPr/>
+        </p:nvSpPr>
+        <p:spPr>
+          <a:xfrm>
+            <a:off x="630543" y="1273037"/>
+            <a:ext cx="1212876" cy="304801"/>
+          </a:xfrm>
+          <a:prstGeom prst="rect">
+            <a:avLst/>
+          </a:prstGeom>
+          <a:ln w="12700">
+            <a:miter lim="400000"/>
+          </a:ln>
+          <a:extLst>
+            <a:ext uri="{C572A759-6A51-4108-AA02-DFA0A04FC94B}">
+              <ma14:wrappingTextBoxFlag xmlns:ma14="http://schemas.microsoft.com/office/mac/drawingml/2011/main" val="1"/>
+            </a:ext>
+          </a:extLst>
+        </p:spPr>
+        <p:txBody>
+          <a:bodyPr wrap="none" lIns="0" tIns="0" rIns="0" bIns="0">
+            <a:spAutoFit/>
+          </a:bodyPr>
+          <a:lstStyle>
+            <a:lvl1pPr>
+              <a:defRPr sz="2000">
+                <a:solidFill>
+                  <a:schemeClr val="accent5"/>
+                </a:solidFill>
+                <a:latin typeface="+mn-lt"/>
+                <a:ea typeface="+mn-ea"/>
+                <a:cs typeface="+mn-cs"/>
+                <a:sym typeface="Helvetica"/>
+              </a:defRPr>
+            </a:lvl1pPr>
+          </a:lstStyle>
+          <a:p>
+            <a:pPr/>
+            <a:r>
+              <a:t>be sure to:</a:t>
+            </a:r>
+          </a:p>
+        </p:txBody>
+      </p:sp>
+      <p:pic>
+        <p:nvPicPr>
+          <p:cNvPr id="217" name="Image" descr="Image"/>
+          <p:cNvPicPr>
+            <a:picLocks noChangeAspect="1"/>
+          </p:cNvPicPr>
+          <p:nvPr/>
+        </p:nvPicPr>
+        <p:blipFill>
+          <a:blip r:embed="rId3">
+            <a:extLst/>
+          </a:blip>
+          <a:srcRect l="0" t="0" r="11719" b="0"/>
+          <a:stretch>
+            <a:fillRect/>
+          </a:stretch>
+        </p:blipFill>
+        <p:spPr>
+          <a:xfrm>
+            <a:off x="4568709" y="2758456"/>
+            <a:ext cx="3426223" cy="1310905"/>
+          </a:xfrm>
+          <a:prstGeom prst="rect">
+            <a:avLst/>
+          </a:prstGeom>
+          <a:ln w="12700">
+            <a:miter lim="400000"/>
+          </a:ln>
+        </p:spPr>
+      </p:pic>
+      <p:sp>
+        <p:nvSpPr>
+          <p:cNvPr id="218" name="Weekly Goal:…"/>
+          <p:cNvSpPr txBox="1"/>
+          <p:nvPr/>
+        </p:nvSpPr>
+        <p:spPr>
+          <a:xfrm>
+            <a:off x="5203624" y="1562650"/>
+            <a:ext cx="3481017" cy="616484"/>
+          </a:xfrm>
+          <a:prstGeom prst="rect">
+            <a:avLst/>
+          </a:prstGeom>
+          <a:ln w="12700">
+            <a:solidFill>
+              <a:srgbClr val="000000"/>
+            </a:solidFill>
+            <a:miter lim="400000"/>
+          </a:ln>
+          <a:extLst>
+            <a:ext uri="{C572A759-6A51-4108-AA02-DFA0A04FC94B}">
+              <ma14:wrappingTextBoxFlag xmlns:ma14="http://schemas.microsoft.com/office/mac/drawingml/2011/main" val="1"/>
+            </a:ext>
+          </a:extLst>
+        </p:spPr>
+        <p:txBody>
+          <a:bodyPr lIns="0" tIns="0" rIns="0" bIns="0">
+            <a:spAutoFit/>
+          </a:bodyPr>
+          <a:lstStyle/>
+          <a:p>
+            <a:pPr>
+              <a:defRPr>
+                <a:solidFill>
+                  <a:schemeClr val="accent4"/>
+                </a:solidFill>
+              </a:defRPr>
+            </a:pPr>
+            <a:r>
+              <a:rPr b="1"/>
+              <a:t>Weekly Goal:</a:t>
+            </a:r>
+            <a:r>
+              <a:t> </a:t>
+            </a:r>
+          </a:p>
+          <a:p>
+            <a:pPr marL="233947" indent="-233947">
+              <a:buSzPct val="100000"/>
+              <a:buAutoNum type="alphaUcPeriod" startAt="1"/>
+              <a:defRPr>
+                <a:solidFill>
+                  <a:schemeClr val="accent4"/>
+                </a:solidFill>
+              </a:defRPr>
+            </a:pPr>
+            <a:r>
+              <a:t>Complete up through </a:t>
+            </a:r>
+            <a:r>
+              <a:rPr b="1"/>
+              <a:t>unit 6</a:t>
+            </a:r>
+            <a:endParaRPr b="1"/>
+          </a:p>
+          <a:p>
+            <a:pPr marL="233947" indent="-233947">
+              <a:buSzPct val="100000"/>
+              <a:buAutoNum type="alphaUcPeriod" startAt="1"/>
+              <a:defRPr>
+                <a:solidFill>
+                  <a:schemeClr val="accent4"/>
+                </a:solidFill>
+              </a:defRPr>
+            </a:pPr>
+            <a:r>
+              <a:t>Work on unit 7</a:t>
+            </a:r>
+          </a:p>
+        </p:txBody>
+      </p:sp>
+      <p:sp>
+        <p:nvSpPr>
+          <p:cNvPr id="219" name="Google Shape;82;p14"/>
           <p:cNvSpPr txBox="1"/>
           <p:nvPr/>
         </p:nvSpPr>
@@ -7130,7 +7262,7 @@
       </p:sp>
       <p:sp>
         <p:nvSpPr>
-          <p:cNvPr id="218" name="be sure to:"/>
+          <p:cNvPr id="220" name="be sure to:"/>
           <p:cNvSpPr txBox="1"/>
           <p:nvPr/>
         </p:nvSpPr>
@@ -7172,118 +7304,6 @@
             <a:pPr/>
             <a:r>
               <a:t>be sure to:</a:t>
-            </a:r>
-          </a:p>
-        </p:txBody>
-      </p:sp>
-      <p:pic>
-        <p:nvPicPr>
-          <p:cNvPr id="219" name="Image" descr="Image"/>
-          <p:cNvPicPr>
-            <a:picLocks noChangeAspect="1"/>
-          </p:cNvPicPr>
-          <p:nvPr/>
-        </p:nvPicPr>
-        <p:blipFill>
-          <a:blip r:embed="rId3">
-            <a:extLst/>
-          </a:blip>
-          <a:srcRect l="0" t="0" r="11719" b="0"/>
-          <a:stretch>
-            <a:fillRect/>
-          </a:stretch>
-        </p:blipFill>
-        <p:spPr>
-          <a:xfrm>
-            <a:off x="4568709" y="2758456"/>
-            <a:ext cx="3426223" cy="1310905"/>
-          </a:xfrm>
-          <a:prstGeom prst="rect">
-            <a:avLst/>
-          </a:prstGeom>
-          <a:ln w="12700">
-            <a:miter lim="400000"/>
-          </a:ln>
-        </p:spPr>
-      </p:pic>
-      <p:sp>
-        <p:nvSpPr>
-          <p:cNvPr id="220" name="Weekly Goal:…"/>
-          <p:cNvSpPr txBox="1"/>
-          <p:nvPr/>
-        </p:nvSpPr>
-        <p:spPr>
-          <a:xfrm>
-            <a:off x="5203624" y="1562650"/>
-            <a:ext cx="3481017" cy="616484"/>
-          </a:xfrm>
-          <a:prstGeom prst="rect">
-            <a:avLst/>
-          </a:prstGeom>
-          <a:ln w="12700">
-            <a:solidFill>
-              <a:srgbClr val="000000"/>
-            </a:solidFill>
-            <a:miter lim="400000"/>
-          </a:ln>
-          <a:extLst>
-            <a:ext uri="{C572A759-6A51-4108-AA02-DFA0A04FC94B}">
-              <ma14:wrappingTextBoxFlag xmlns:ma14="http://schemas.microsoft.com/office/mac/drawingml/2011/main" val="1"/>
-            </a:ext>
-          </a:extLst>
-        </p:spPr>
-        <p:txBody>
-          <a:bodyPr lIns="0" tIns="0" rIns="0" bIns="0">
-            <a:spAutoFit/>
-          </a:bodyPr>
-          <a:lstStyle/>
-          <a:p>
-            <a:pPr>
-              <a:defRPr>
-                <a:solidFill>
-                  <a:schemeClr val="accent4"/>
-                </a:solidFill>
-              </a:defRPr>
-            </a:pPr>
-            <a:r>
-              <a:rPr b="1"/>
-              <a:t>Weekly Goal:</a:t>
-            </a:r>
-            <a:r>
-              <a:t> </a:t>
-            </a:r>
-          </a:p>
-          <a:p>
-            <a:pPr marL="233947" indent="-233947">
-              <a:buSzPct val="100000"/>
-              <a:buAutoNum type="alphaUcPeriod" startAt="1"/>
-              <a:defRPr>
-                <a:solidFill>
-                  <a:schemeClr val="accent4"/>
-                </a:solidFill>
-              </a:defRPr>
-            </a:pPr>
-            <a:r>
-              <a:t>Complete up through </a:t>
-            </a:r>
-            <a:r>
-              <a:rPr b="1"/>
-              <a:t>unit 6</a:t>
-            </a:r>
-            <a:endParaRPr b="1"/>
-          </a:p>
-          <a:p>
-            <a:pPr marL="233947" indent="-233947">
-              <a:buSzPct val="100000"/>
-              <a:buAutoNum type="alphaUcPeriod" startAt="1"/>
-              <a:defRPr>
-                <a:solidFill>
-                  <a:schemeClr val="accent4"/>
-                </a:solidFill>
-              </a:defRPr>
-            </a:pPr>
-            <a:r>
-              <a:t>Work on unit 7</a:t>
             </a:r>
           </a:p>
         </p:txBody>
@@ -7327,7 +7347,7 @@
                                       <p:cBhvr>
                                         <p:cTn id="6" fill="hold"/>
                                         <p:tgtEl>
-                                          <p:spTgt spid="217">
+                                          <p:spTgt spid="219">
                                             <p:bg/>
                                           </p:spTgt>
                                         </p:tgtEl>
@@ -7355,7 +7375,7 @@
                                       <p:cBhvr>
                                         <p:cTn id="8" fill="hold"/>
                                         <p:tgtEl>
-                                          <p:spTgt spid="217">
+                                          <p:spTgt spid="219">
                                             <p:txEl>
                                               <p:pRg st="0" end="0"/>
                                             </p:txEl>
@@ -7394,7 +7414,7 @@
                                       <p:cBhvr>
                                         <p:cTn id="11" fill="hold"/>
                                         <p:tgtEl>
-                                          <p:spTgt spid="217">
+                                          <p:spTgt spid="219">
                                             <p:txEl>
                                               <p:pRg st="1" end="1"/>
                                             </p:txEl>
@@ -7442,7 +7462,7 @@
                                       <p:cBhvr>
                                         <p:cTn id="15" fill="hold"/>
                                         <p:tgtEl>
-                                          <p:spTgt spid="217">
+                                          <p:spTgt spid="219">
                                             <p:txEl>
                                               <p:pRg st="2" end="2"/>
                                             </p:txEl>
@@ -7487,7 +7507,7 @@
       </p:par>
     </p:tnLst>
     <p:bldLst>
-      <p:bldP build="p" bldLvl="5" animBg="1" rev="0" advAuto="0" spid="217" grpId="1"/>
+      <p:bldP build="p" bldLvl="5" animBg="1" rev="0" advAuto="0" spid="219" grpId="1"/>
     </p:bldLst>
   </p:timing>
 </p:sld>
